--- a/MachineLearning/RandomForest.pptx
+++ b/MachineLearning/RandomForest.pptx
@@ -5,12 +5,19 @@
     <p:sldMasterId id="2147483648" r:id="rId1"/>
   </p:sldMasterIdLst>
   <p:notesMasterIdLst>
-    <p:notesMasterId r:id="rId5"/>
+    <p:notesMasterId r:id="rId12"/>
   </p:notesMasterIdLst>
   <p:sldIdLst>
     <p:sldId id="256" r:id="rId2"/>
     <p:sldId id="268" r:id="rId3"/>
-    <p:sldId id="269" r:id="rId4"/>
+    <p:sldId id="270" r:id="rId4"/>
+    <p:sldId id="271" r:id="rId5"/>
+    <p:sldId id="272" r:id="rId6"/>
+    <p:sldId id="273" r:id="rId7"/>
+    <p:sldId id="276" r:id="rId8"/>
+    <p:sldId id="274" r:id="rId9"/>
+    <p:sldId id="275" r:id="rId10"/>
+    <p:sldId id="269" r:id="rId11"/>
   </p:sldIdLst>
   <p:sldSz cx="9144000" cy="6858000" type="screen4x3"/>
   <p:notesSz cx="6858000" cy="9144000"/>
@@ -195,7 +202,7 @@
             <a:fld id="{98BFDCCA-FFB9-49F6-B56E-F6432283D67C}" type="datetimeFigureOut">
               <a:rPr lang="en-US" smtClean="0"/>
               <a:pPr/>
-              <a:t>12/16/2022</a:t>
+              <a:t>1/4/2023</a:t>
             </a:fld>
             <a:endParaRPr lang="en-US"/>
           </a:p>
@@ -643,7 +650,7 @@
             <a:fld id="{9099FEDA-6AC3-495C-A467-2B0399D71BB7}" type="datetimeFigureOut">
               <a:rPr lang="en-US" smtClean="0"/>
               <a:pPr/>
-              <a:t>12/16/2022</a:t>
+              <a:t>1/4/2023</a:t>
             </a:fld>
             <a:endParaRPr lang="en-US"/>
           </a:p>
@@ -810,7 +817,7 @@
             <a:fld id="{9099FEDA-6AC3-495C-A467-2B0399D71BB7}" type="datetimeFigureOut">
               <a:rPr lang="en-US" smtClean="0"/>
               <a:pPr/>
-              <a:t>12/16/2022</a:t>
+              <a:t>1/4/2023</a:t>
             </a:fld>
             <a:endParaRPr lang="en-US"/>
           </a:p>
@@ -987,7 +994,7 @@
             <a:fld id="{9099FEDA-6AC3-495C-A467-2B0399D71BB7}" type="datetimeFigureOut">
               <a:rPr lang="en-US" smtClean="0"/>
               <a:pPr/>
-              <a:t>12/16/2022</a:t>
+              <a:t>1/4/2023</a:t>
             </a:fld>
             <a:endParaRPr lang="en-US"/>
           </a:p>
@@ -1154,7 +1161,7 @@
             <a:fld id="{9099FEDA-6AC3-495C-A467-2B0399D71BB7}" type="datetimeFigureOut">
               <a:rPr lang="en-US" smtClean="0"/>
               <a:pPr/>
-              <a:t>12/16/2022</a:t>
+              <a:t>1/4/2023</a:t>
             </a:fld>
             <a:endParaRPr lang="en-US"/>
           </a:p>
@@ -1397,7 +1404,7 @@
             <a:fld id="{9099FEDA-6AC3-495C-A467-2B0399D71BB7}" type="datetimeFigureOut">
               <a:rPr lang="en-US" smtClean="0"/>
               <a:pPr/>
-              <a:t>12/16/2022</a:t>
+              <a:t>1/4/2023</a:t>
             </a:fld>
             <a:endParaRPr lang="en-US"/>
           </a:p>
@@ -1682,7 +1689,7 @@
             <a:fld id="{9099FEDA-6AC3-495C-A467-2B0399D71BB7}" type="datetimeFigureOut">
               <a:rPr lang="en-US" smtClean="0"/>
               <a:pPr/>
-              <a:t>12/16/2022</a:t>
+              <a:t>1/4/2023</a:t>
             </a:fld>
             <a:endParaRPr lang="en-US"/>
           </a:p>
@@ -2101,7 +2108,7 @@
             <a:fld id="{9099FEDA-6AC3-495C-A467-2B0399D71BB7}" type="datetimeFigureOut">
               <a:rPr lang="en-US" smtClean="0"/>
               <a:pPr/>
-              <a:t>12/16/2022</a:t>
+              <a:t>1/4/2023</a:t>
             </a:fld>
             <a:endParaRPr lang="en-US"/>
           </a:p>
@@ -2216,7 +2223,7 @@
             <a:fld id="{9099FEDA-6AC3-495C-A467-2B0399D71BB7}" type="datetimeFigureOut">
               <a:rPr lang="en-US" smtClean="0"/>
               <a:pPr/>
-              <a:t>12/16/2022</a:t>
+              <a:t>1/4/2023</a:t>
             </a:fld>
             <a:endParaRPr lang="en-US"/>
           </a:p>
@@ -2308,7 +2315,7 @@
             <a:fld id="{9099FEDA-6AC3-495C-A467-2B0399D71BB7}" type="datetimeFigureOut">
               <a:rPr lang="en-US" smtClean="0"/>
               <a:pPr/>
-              <a:t>12/16/2022</a:t>
+              <a:t>1/4/2023</a:t>
             </a:fld>
             <a:endParaRPr lang="en-US"/>
           </a:p>
@@ -2582,7 +2589,7 @@
             <a:fld id="{9099FEDA-6AC3-495C-A467-2B0399D71BB7}" type="datetimeFigureOut">
               <a:rPr lang="en-US" smtClean="0"/>
               <a:pPr/>
-              <a:t>12/16/2022</a:t>
+              <a:t>1/4/2023</a:t>
             </a:fld>
             <a:endParaRPr lang="en-US"/>
           </a:p>
@@ -2832,7 +2839,7 @@
             <a:fld id="{9099FEDA-6AC3-495C-A467-2B0399D71BB7}" type="datetimeFigureOut">
               <a:rPr lang="en-US" smtClean="0"/>
               <a:pPr/>
-              <a:t>12/16/2022</a:t>
+              <a:t>1/4/2023</a:t>
             </a:fld>
             <a:endParaRPr lang="en-US"/>
           </a:p>
@@ -3042,7 +3049,7 @@
             <a:fld id="{9099FEDA-6AC3-495C-A467-2B0399D71BB7}" type="datetimeFigureOut">
               <a:rPr lang="en-US" smtClean="0"/>
               <a:pPr/>
-              <a:t>12/16/2022</a:t>
+              <a:t>1/4/2023</a:t>
             </a:fld>
             <a:endParaRPr lang="en-US"/>
           </a:p>
@@ -3429,7 +3436,7 @@
           <a:lstStyle/>
           <a:p>
             <a:r>
-              <a:rPr lang="en-US" smtClean="0"/>
+              <a:rPr lang="en-US" dirty="0" smtClean="0"/>
               <a:t>Random Forest</a:t>
             </a:r>
             <a:endParaRPr lang="en-US" dirty="0"/>
@@ -3465,6 +3472,84 @@
             <a:r>
               <a:rPr lang="en-US" dirty="0" smtClean="0"/>
               <a:t>Bhabha Atomic Research Centre</a:t>
+            </a:r>
+            <a:endParaRPr lang="en-US" dirty="0"/>
+          </a:p>
+        </p:txBody>
+      </p:sp>
+    </p:spTree>
+  </p:cSld>
+  <p:clrMapOvr>
+    <a:masterClrMapping/>
+  </p:clrMapOvr>
+  <p:timing>
+    <p:tnLst>
+      <p:par>
+        <p:cTn id="1" dur="indefinite" restart="never" nodeType="tmRoot"/>
+      </p:par>
+    </p:tnLst>
+  </p:timing>
+</p:sld>
+</file>
+
+<file path=ppt/slides/slide10.xml><?xml version="1.0" encoding="utf-8"?>
+<p:sld xmlns:a="http://schemas.openxmlformats.org/drawingml/2006/main" xmlns:r="http://schemas.openxmlformats.org/officeDocument/2006/relationships" xmlns:p="http://schemas.openxmlformats.org/presentationml/2006/main">
+  <p:cSld>
+    <p:spTree>
+      <p:nvGrpSpPr>
+        <p:cNvPr id="1" name=""/>
+        <p:cNvGrpSpPr/>
+        <p:nvPr/>
+      </p:nvGrpSpPr>
+      <p:grpSpPr>
+        <a:xfrm>
+          <a:off x="0" y="0"/>
+          <a:ext cx="0" cy="0"/>
+          <a:chOff x="0" y="0"/>
+          <a:chExt cx="0" cy="0"/>
+        </a:xfrm>
+      </p:grpSpPr>
+      <p:sp>
+        <p:nvSpPr>
+          <p:cNvPr id="2" name="Title 1"/>
+          <p:cNvSpPr>
+            <a:spLocks noGrp="1"/>
+          </p:cNvSpPr>
+          <p:nvPr>
+            <p:ph type="ctrTitle"/>
+          </p:nvPr>
+        </p:nvSpPr>
+        <p:spPr/>
+        <p:txBody>
+          <a:bodyPr/>
+          <a:lstStyle/>
+          <a:p>
+            <a:r>
+              <a:rPr lang="en-US" dirty="0" smtClean="0"/>
+              <a:t>Questions?</a:t>
+            </a:r>
+            <a:endParaRPr lang="en-US" dirty="0"/>
+          </a:p>
+        </p:txBody>
+      </p:sp>
+      <p:sp>
+        <p:nvSpPr>
+          <p:cNvPr id="3" name="Subtitle 2"/>
+          <p:cNvSpPr>
+            <a:spLocks noGrp="1"/>
+          </p:cNvSpPr>
+          <p:nvPr>
+            <p:ph type="subTitle" idx="1"/>
+          </p:nvPr>
+        </p:nvSpPr>
+        <p:spPr/>
+        <p:txBody>
+          <a:bodyPr/>
+          <a:lstStyle/>
+          <a:p>
+            <a:r>
+              <a:rPr lang="en-US" dirty="0" smtClean="0"/>
+              <a:t>Thank you</a:t>
             </a:r>
             <a:endParaRPr lang="en-US" dirty="0"/>
           </a:p>
@@ -3542,6 +3627,49 @@
           </a:bodyPr>
           <a:lstStyle/>
           <a:p>
+            <a:r>
+              <a:rPr lang="en-US" dirty="0" smtClean="0"/>
+              <a:t>Introduction</a:t>
+            </a:r>
+          </a:p>
+          <a:p>
+            <a:r>
+              <a:rPr lang="en-US" dirty="0" smtClean="0"/>
+              <a:t>Supervised learning</a:t>
+            </a:r>
+          </a:p>
+          <a:p>
+            <a:r>
+              <a:rPr lang="en-US" dirty="0" smtClean="0"/>
+              <a:t>Decision </a:t>
+            </a:r>
+            <a:r>
+              <a:rPr lang="en-US" dirty="0" smtClean="0"/>
+              <a:t>tree</a:t>
+            </a:r>
+          </a:p>
+          <a:p>
+            <a:r>
+              <a:rPr lang="en-US" dirty="0" smtClean="0"/>
+              <a:t>Random </a:t>
+            </a:r>
+            <a:r>
+              <a:rPr lang="en-US" dirty="0" smtClean="0"/>
+              <a:t>forest</a:t>
+            </a:r>
+            <a:endParaRPr lang="en-US" dirty="0" smtClean="0"/>
+          </a:p>
+          <a:p>
+            <a:r>
+              <a:rPr lang="en-US" dirty="0" smtClean="0"/>
+              <a:t>Advantages </a:t>
+            </a:r>
+            <a:r>
+              <a:rPr lang="en-US" dirty="0" smtClean="0"/>
+              <a:t>and disadvantages</a:t>
+            </a:r>
+          </a:p>
+          <a:p>
             <a:endParaRPr lang="en-US" dirty="0"/>
           </a:p>
         </p:txBody>
@@ -3585,7 +3713,7 @@
             <a:spLocks noGrp="1"/>
           </p:cNvSpPr>
           <p:nvPr>
-            <p:ph type="ctrTitle"/>
+            <p:ph type="title"/>
           </p:nvPr>
         </p:nvSpPr>
         <p:spPr/>
@@ -3595,7 +3723,7 @@
           <a:p>
             <a:r>
               <a:rPr lang="en-US" dirty="0" smtClean="0"/>
-              <a:t>Questions?</a:t>
+              <a:t>Supervised Learning</a:t>
             </a:r>
             <a:endParaRPr lang="en-US" dirty="0"/>
           </a:p>
@@ -3603,12 +3731,12 @@
       </p:sp>
       <p:sp>
         <p:nvSpPr>
-          <p:cNvPr id="3" name="Subtitle 2"/>
-          <p:cNvSpPr>
-            <a:spLocks noGrp="1"/>
-          </p:cNvSpPr>
-          <p:nvPr>
-            <p:ph type="subTitle" idx="1"/>
+          <p:cNvPr id="4" name="Content Placeholder 3"/>
+          <p:cNvSpPr>
+            <a:spLocks noGrp="1"/>
+          </p:cNvSpPr>
+          <p:nvPr>
+            <p:ph idx="1"/>
           </p:nvPr>
         </p:nvSpPr>
         <p:spPr/>
@@ -3618,7 +3746,986 @@
           <a:p>
             <a:r>
               <a:rPr lang="en-US" dirty="0" smtClean="0"/>
-              <a:t>Thank you</a:t>
+              <a:t>Training set – { (x</a:t>
+            </a:r>
+            <a:r>
+              <a:rPr lang="en-US" baseline="30000" dirty="0" smtClean="0"/>
+              <a:t>(1)</a:t>
+            </a:r>
+            <a:r>
+              <a:rPr lang="en-US" dirty="0" smtClean="0"/>
+              <a:t>,y</a:t>
+            </a:r>
+            <a:r>
+              <a:rPr lang="en-US" baseline="30000" dirty="0" smtClean="0"/>
+              <a:t>(1)</a:t>
+            </a:r>
+            <a:r>
+              <a:rPr lang="en-US" dirty="0" smtClean="0"/>
+              <a:t>), (x</a:t>
+            </a:r>
+            <a:r>
+              <a:rPr lang="en-US" baseline="30000" dirty="0" smtClean="0"/>
+              <a:t>(2)</a:t>
+            </a:r>
+            <a:r>
+              <a:rPr lang="en-US" dirty="0" smtClean="0"/>
+              <a:t>,y</a:t>
+            </a:r>
+            <a:r>
+              <a:rPr lang="en-US" baseline="30000" dirty="0" smtClean="0"/>
+              <a:t>(2)</a:t>
+            </a:r>
+            <a:r>
+              <a:rPr lang="en-US" dirty="0" smtClean="0"/>
+              <a:t>), …, (x</a:t>
+            </a:r>
+            <a:r>
+              <a:rPr lang="en-US" baseline="30000" dirty="0" smtClean="0"/>
+              <a:t>(m)</a:t>
+            </a:r>
+            <a:r>
+              <a:rPr lang="en-US" dirty="0" smtClean="0"/>
+              <a:t>,y</a:t>
+            </a:r>
+            <a:r>
+              <a:rPr lang="en-US" baseline="30000" dirty="0" smtClean="0"/>
+              <a:t>(m)</a:t>
+            </a:r>
+            <a:r>
+              <a:rPr lang="en-US" dirty="0" smtClean="0"/>
+              <a:t>)}</a:t>
+            </a:r>
+          </a:p>
+          <a:p>
+            <a:r>
+              <a:rPr lang="en-US" dirty="0" smtClean="0"/>
+              <a:t>Labeled dataset</a:t>
+            </a:r>
+          </a:p>
+          <a:p>
+            <a:endParaRPr lang="en-US" dirty="0"/>
+          </a:p>
+        </p:txBody>
+      </p:sp>
+      <p:pic>
+        <p:nvPicPr>
+          <p:cNvPr id="5" name="Picture 4" descr="SupervisedLearning.png"/>
+          <p:cNvPicPr>
+            <a:picLocks noChangeAspect="1"/>
+          </p:cNvPicPr>
+          <p:nvPr/>
+        </p:nvPicPr>
+        <p:blipFill>
+          <a:blip r:embed="rId2"/>
+          <a:stretch>
+            <a:fillRect/>
+          </a:stretch>
+        </p:blipFill>
+        <p:spPr>
+          <a:xfrm>
+            <a:off x="838200" y="2971800"/>
+            <a:ext cx="7467600" cy="3733800"/>
+          </a:xfrm>
+          <a:prstGeom prst="rect">
+            <a:avLst/>
+          </a:prstGeom>
+        </p:spPr>
+      </p:pic>
+      <p:sp>
+        <p:nvSpPr>
+          <p:cNvPr id="6" name="Text Box 10"/>
+          <p:cNvSpPr txBox="1">
+            <a:spLocks noChangeArrowheads="1"/>
+          </p:cNvSpPr>
+          <p:nvPr/>
+        </p:nvSpPr>
+        <p:spPr bwMode="auto">
+          <a:xfrm rot="10800000" flipV="1">
+            <a:off x="0" y="6519446"/>
+            <a:ext cx="1828800" cy="338554"/>
+          </a:xfrm>
+          <a:prstGeom prst="rect">
+            <a:avLst/>
+          </a:prstGeom>
+          <a:noFill/>
+          <a:ln w="9525">
+            <a:noFill/>
+            <a:miter lim="800000"/>
+            <a:headEnd/>
+            <a:tailEnd/>
+          </a:ln>
+          <a:effectLst/>
+        </p:spPr>
+        <p:txBody>
+          <a:bodyPr wrap="square">
+            <a:spAutoFit/>
+          </a:bodyPr>
+          <a:lstStyle/>
+          <a:p>
+            <a:pPr>
+              <a:spcBef>
+                <a:spcPct val="50000"/>
+              </a:spcBef>
+            </a:pPr>
+            <a:r>
+              <a:rPr lang="en-US" sz="1600" b="1" dirty="0">
+                <a:solidFill>
+                  <a:srgbClr val="FF0000"/>
+                </a:solidFill>
+              </a:rPr>
+              <a:t>Image </a:t>
+            </a:r>
+            <a:r>
+              <a:rPr lang="en-US" sz="1600" b="1" dirty="0" err="1" smtClean="0">
+                <a:solidFill>
+                  <a:srgbClr val="FF0000"/>
+                </a:solidFill>
+              </a:rPr>
+              <a:t>ack</a:t>
+            </a:r>
+            <a:r>
+              <a:rPr lang="en-US" sz="1600" b="1" dirty="0" smtClean="0">
+                <a:solidFill>
+                  <a:srgbClr val="FF0000"/>
+                </a:solidFill>
+              </a:rPr>
+              <a:t> – Google</a:t>
+            </a:r>
+            <a:endParaRPr lang="en-US" sz="1600" b="1" dirty="0">
+              <a:solidFill>
+                <a:srgbClr val="FF0000"/>
+              </a:solidFill>
+            </a:endParaRPr>
+          </a:p>
+        </p:txBody>
+      </p:sp>
+    </p:spTree>
+  </p:cSld>
+  <p:clrMapOvr>
+    <a:masterClrMapping/>
+  </p:clrMapOvr>
+  <p:timing>
+    <p:tnLst>
+      <p:par>
+        <p:cTn id="1" dur="indefinite" restart="never" nodeType="tmRoot"/>
+      </p:par>
+    </p:tnLst>
+  </p:timing>
+</p:sld>
+</file>
+
+<file path=ppt/slides/slide4.xml><?xml version="1.0" encoding="utf-8"?>
+<p:sld xmlns:a="http://schemas.openxmlformats.org/drawingml/2006/main" xmlns:r="http://schemas.openxmlformats.org/officeDocument/2006/relationships" xmlns:p="http://schemas.openxmlformats.org/presentationml/2006/main">
+  <p:cSld>
+    <p:spTree>
+      <p:nvGrpSpPr>
+        <p:cNvPr id="1" name=""/>
+        <p:cNvGrpSpPr/>
+        <p:nvPr/>
+      </p:nvGrpSpPr>
+      <p:grpSpPr>
+        <a:xfrm>
+          <a:off x="0" y="0"/>
+          <a:ext cx="0" cy="0"/>
+          <a:chOff x="0" y="0"/>
+          <a:chExt cx="0" cy="0"/>
+        </a:xfrm>
+      </p:grpSpPr>
+      <p:sp>
+        <p:nvSpPr>
+          <p:cNvPr id="2" name="Title 1"/>
+          <p:cNvSpPr>
+            <a:spLocks noGrp="1"/>
+          </p:cNvSpPr>
+          <p:nvPr>
+            <p:ph type="title"/>
+          </p:nvPr>
+        </p:nvSpPr>
+        <p:spPr/>
+        <p:txBody>
+          <a:bodyPr/>
+          <a:lstStyle/>
+          <a:p>
+            <a:r>
+              <a:rPr lang="en-US" dirty="0" smtClean="0"/>
+              <a:t>Decision Tree</a:t>
+            </a:r>
+            <a:endParaRPr lang="en-US" dirty="0"/>
+          </a:p>
+        </p:txBody>
+      </p:sp>
+      <p:sp>
+        <p:nvSpPr>
+          <p:cNvPr id="4" name="Content Placeholder 3"/>
+          <p:cNvSpPr>
+            <a:spLocks noGrp="1"/>
+          </p:cNvSpPr>
+          <p:nvPr>
+            <p:ph idx="1"/>
+          </p:nvPr>
+        </p:nvSpPr>
+        <p:spPr/>
+        <p:txBody>
+          <a:bodyPr>
+            <a:normAutofit fontScale="92500" lnSpcReduction="20000"/>
+          </a:bodyPr>
+          <a:lstStyle/>
+          <a:p>
+            <a:r>
+              <a:rPr lang="en-US" dirty="0" smtClean="0"/>
+              <a:t>Binary tree</a:t>
+            </a:r>
+          </a:p>
+          <a:p>
+            <a:r>
+              <a:rPr lang="en-US" dirty="0" smtClean="0"/>
+              <a:t>Recursively split dataset</a:t>
+            </a:r>
+          </a:p>
+          <a:p>
+            <a:r>
+              <a:rPr lang="en-US" dirty="0" smtClean="0"/>
+              <a:t>Root node</a:t>
+            </a:r>
+          </a:p>
+          <a:p>
+            <a:r>
+              <a:rPr lang="en-US" dirty="0" smtClean="0"/>
+              <a:t>Decision nodes </a:t>
+            </a:r>
+          </a:p>
+          <a:p>
+            <a:pPr lvl="1"/>
+            <a:r>
+              <a:rPr lang="en-US" dirty="0" smtClean="0"/>
+              <a:t>Split dataset</a:t>
+            </a:r>
+          </a:p>
+          <a:p>
+            <a:pPr lvl="1"/>
+            <a:r>
+              <a:rPr lang="en-US" dirty="0" smtClean="0"/>
+              <a:t>Select feature</a:t>
+            </a:r>
+          </a:p>
+          <a:p>
+            <a:pPr lvl="1"/>
+            <a:r>
+              <a:rPr lang="en-US" dirty="0" smtClean="0"/>
+              <a:t>Select split condition</a:t>
+            </a:r>
+          </a:p>
+          <a:p>
+            <a:r>
+              <a:rPr lang="en-US" dirty="0" smtClean="0"/>
+              <a:t>Pure leaf nodes </a:t>
+            </a:r>
+          </a:p>
+          <a:p>
+            <a:pPr lvl="1"/>
+            <a:r>
+              <a:rPr lang="en-US" dirty="0" smtClean="0"/>
+              <a:t>Class of dataset sample – Classification tree</a:t>
+            </a:r>
+          </a:p>
+          <a:p>
+            <a:pPr lvl="1"/>
+            <a:r>
+              <a:rPr lang="en-US" dirty="0" smtClean="0"/>
+              <a:t>Value of dataset sample – Regression tree</a:t>
+            </a:r>
+          </a:p>
+          <a:p>
+            <a:endParaRPr lang="en-US" dirty="0"/>
+          </a:p>
+        </p:txBody>
+      </p:sp>
+      <p:pic>
+        <p:nvPicPr>
+          <p:cNvPr id="5" name="Picture 4" descr="DecisionTree.png"/>
+          <p:cNvPicPr>
+            <a:picLocks noChangeAspect="1"/>
+          </p:cNvPicPr>
+          <p:nvPr/>
+        </p:nvPicPr>
+        <p:blipFill>
+          <a:blip r:embed="rId2"/>
+          <a:stretch>
+            <a:fillRect/>
+          </a:stretch>
+        </p:blipFill>
+        <p:spPr>
+          <a:xfrm>
+            <a:off x="4533900" y="2209800"/>
+            <a:ext cx="4457700" cy="2971800"/>
+          </a:xfrm>
+          <a:prstGeom prst="rect">
+            <a:avLst/>
+          </a:prstGeom>
+        </p:spPr>
+      </p:pic>
+      <p:sp>
+        <p:nvSpPr>
+          <p:cNvPr id="6" name="Text Box 10"/>
+          <p:cNvSpPr txBox="1">
+            <a:spLocks noChangeArrowheads="1"/>
+          </p:cNvSpPr>
+          <p:nvPr/>
+        </p:nvSpPr>
+        <p:spPr bwMode="auto">
+          <a:xfrm rot="10800000" flipV="1">
+            <a:off x="0" y="6519446"/>
+            <a:ext cx="1828800" cy="338554"/>
+          </a:xfrm>
+          <a:prstGeom prst="rect">
+            <a:avLst/>
+          </a:prstGeom>
+          <a:noFill/>
+          <a:ln w="9525">
+            <a:noFill/>
+            <a:miter lim="800000"/>
+            <a:headEnd/>
+            <a:tailEnd/>
+          </a:ln>
+          <a:effectLst/>
+        </p:spPr>
+        <p:txBody>
+          <a:bodyPr wrap="square">
+            <a:spAutoFit/>
+          </a:bodyPr>
+          <a:lstStyle/>
+          <a:p>
+            <a:pPr>
+              <a:spcBef>
+                <a:spcPct val="50000"/>
+              </a:spcBef>
+            </a:pPr>
+            <a:r>
+              <a:rPr lang="en-US" sz="1600" b="1" dirty="0">
+                <a:solidFill>
+                  <a:srgbClr val="FF0000"/>
+                </a:solidFill>
+              </a:rPr>
+              <a:t>Image </a:t>
+            </a:r>
+            <a:r>
+              <a:rPr lang="en-US" sz="1600" b="1" dirty="0" err="1" smtClean="0">
+                <a:solidFill>
+                  <a:srgbClr val="FF0000"/>
+                </a:solidFill>
+              </a:rPr>
+              <a:t>ack</a:t>
+            </a:r>
+            <a:r>
+              <a:rPr lang="en-US" sz="1600" b="1" dirty="0" smtClean="0">
+                <a:solidFill>
+                  <a:srgbClr val="FF0000"/>
+                </a:solidFill>
+              </a:rPr>
+              <a:t> – Google</a:t>
+            </a:r>
+            <a:endParaRPr lang="en-US" sz="1600" b="1" dirty="0">
+              <a:solidFill>
+                <a:srgbClr val="FF0000"/>
+              </a:solidFill>
+            </a:endParaRPr>
+          </a:p>
+        </p:txBody>
+      </p:sp>
+    </p:spTree>
+  </p:cSld>
+  <p:clrMapOvr>
+    <a:masterClrMapping/>
+  </p:clrMapOvr>
+  <p:timing>
+    <p:tnLst>
+      <p:par>
+        <p:cTn id="1" dur="indefinite" restart="never" nodeType="tmRoot"/>
+      </p:par>
+    </p:tnLst>
+  </p:timing>
+</p:sld>
+</file>
+
+<file path=ppt/slides/slide5.xml><?xml version="1.0" encoding="utf-8"?>
+<p:sld xmlns:a="http://schemas.openxmlformats.org/drawingml/2006/main" xmlns:r="http://schemas.openxmlformats.org/officeDocument/2006/relationships" xmlns:p="http://schemas.openxmlformats.org/presentationml/2006/main">
+  <p:cSld>
+    <p:spTree>
+      <p:nvGrpSpPr>
+        <p:cNvPr id="1" name=""/>
+        <p:cNvGrpSpPr/>
+        <p:nvPr/>
+      </p:nvGrpSpPr>
+      <p:grpSpPr>
+        <a:xfrm>
+          <a:off x="0" y="0"/>
+          <a:ext cx="0" cy="0"/>
+          <a:chOff x="0" y="0"/>
+          <a:chExt cx="0" cy="0"/>
+        </a:xfrm>
+      </p:grpSpPr>
+      <p:sp>
+        <p:nvSpPr>
+          <p:cNvPr id="2" name="Title 1"/>
+          <p:cNvSpPr>
+            <a:spLocks noGrp="1"/>
+          </p:cNvSpPr>
+          <p:nvPr>
+            <p:ph type="title"/>
+          </p:nvPr>
+        </p:nvSpPr>
+        <p:spPr/>
+        <p:txBody>
+          <a:bodyPr/>
+          <a:lstStyle/>
+          <a:p>
+            <a:r>
+              <a:rPr lang="en-US" dirty="0" smtClean="0"/>
+              <a:t>Decision Tree </a:t>
+            </a:r>
+            <a:r>
+              <a:rPr lang="en-US" dirty="0" smtClean="0"/>
+              <a:t>– Disadvantages</a:t>
+            </a:r>
+            <a:endParaRPr lang="en-US" dirty="0"/>
+          </a:p>
+        </p:txBody>
+      </p:sp>
+      <p:sp>
+        <p:nvSpPr>
+          <p:cNvPr id="4" name="Content Placeholder 3"/>
+          <p:cNvSpPr>
+            <a:spLocks noGrp="1"/>
+          </p:cNvSpPr>
+          <p:nvPr>
+            <p:ph idx="1"/>
+          </p:nvPr>
+        </p:nvSpPr>
+        <p:spPr/>
+        <p:txBody>
+          <a:bodyPr/>
+          <a:lstStyle/>
+          <a:p>
+            <a:r>
+              <a:rPr lang="en-US" dirty="0" smtClean="0"/>
+              <a:t>Over-fitting </a:t>
+            </a:r>
+          </a:p>
+          <a:p>
+            <a:r>
+              <a:rPr lang="en-US" dirty="0" smtClean="0"/>
+              <a:t>Less </a:t>
+            </a:r>
+            <a:r>
+              <a:rPr lang="en-US" dirty="0" smtClean="0"/>
+              <a:t>accurate </a:t>
+            </a:r>
+          </a:p>
+          <a:p>
+            <a:r>
+              <a:rPr lang="en-US" dirty="0" smtClean="0"/>
+              <a:t>Solution – Use random forest algorithm </a:t>
+            </a:r>
+          </a:p>
+          <a:p>
+            <a:endParaRPr lang="en-US" dirty="0"/>
+          </a:p>
+        </p:txBody>
+      </p:sp>
+    </p:spTree>
+  </p:cSld>
+  <p:clrMapOvr>
+    <a:masterClrMapping/>
+  </p:clrMapOvr>
+  <p:timing>
+    <p:tnLst>
+      <p:par>
+        <p:cTn id="1" dur="indefinite" restart="never" nodeType="tmRoot"/>
+      </p:par>
+    </p:tnLst>
+  </p:timing>
+</p:sld>
+</file>
+
+<file path=ppt/slides/slide6.xml><?xml version="1.0" encoding="utf-8"?>
+<p:sld xmlns:a="http://schemas.openxmlformats.org/drawingml/2006/main" xmlns:r="http://schemas.openxmlformats.org/officeDocument/2006/relationships" xmlns:p="http://schemas.openxmlformats.org/presentationml/2006/main">
+  <p:cSld>
+    <p:spTree>
+      <p:nvGrpSpPr>
+        <p:cNvPr id="1" name=""/>
+        <p:cNvGrpSpPr/>
+        <p:nvPr/>
+      </p:nvGrpSpPr>
+      <p:grpSpPr>
+        <a:xfrm>
+          <a:off x="0" y="0"/>
+          <a:ext cx="0" cy="0"/>
+          <a:chOff x="0" y="0"/>
+          <a:chExt cx="0" cy="0"/>
+        </a:xfrm>
+      </p:grpSpPr>
+      <p:sp>
+        <p:nvSpPr>
+          <p:cNvPr id="2" name="Title 1"/>
+          <p:cNvSpPr>
+            <a:spLocks noGrp="1"/>
+          </p:cNvSpPr>
+          <p:nvPr>
+            <p:ph type="title"/>
+          </p:nvPr>
+        </p:nvSpPr>
+        <p:spPr/>
+        <p:txBody>
+          <a:bodyPr/>
+          <a:lstStyle/>
+          <a:p>
+            <a:r>
+              <a:rPr lang="en-US" dirty="0" smtClean="0"/>
+              <a:t>Random </a:t>
+            </a:r>
+            <a:r>
+              <a:rPr lang="en-US" dirty="0" smtClean="0"/>
+              <a:t>Forest</a:t>
+            </a:r>
+            <a:endParaRPr lang="en-US" dirty="0"/>
+          </a:p>
+        </p:txBody>
+      </p:sp>
+      <p:sp>
+        <p:nvSpPr>
+          <p:cNvPr id="4" name="Content Placeholder 3"/>
+          <p:cNvSpPr>
+            <a:spLocks noGrp="1"/>
+          </p:cNvSpPr>
+          <p:nvPr>
+            <p:ph idx="1"/>
+          </p:nvPr>
+        </p:nvSpPr>
+        <p:spPr/>
+        <p:txBody>
+          <a:bodyPr/>
+          <a:lstStyle/>
+          <a:p>
+            <a:r>
+              <a:rPr lang="en-IN" dirty="0" smtClean="0"/>
+              <a:t>Ensemble learning</a:t>
+            </a:r>
+          </a:p>
+          <a:p>
+            <a:r>
+              <a:rPr lang="en-IN" dirty="0" smtClean="0"/>
+              <a:t>Number of decision trees</a:t>
+            </a:r>
+          </a:p>
+          <a:p>
+            <a:r>
+              <a:rPr lang="en-IN" dirty="0" smtClean="0"/>
+              <a:t>Subset of dataset</a:t>
+            </a:r>
+          </a:p>
+          <a:p>
+            <a:r>
+              <a:rPr lang="en-IN" dirty="0" smtClean="0"/>
+              <a:t>Ensemble </a:t>
+            </a:r>
+            <a:r>
+              <a:rPr lang="en-IN" dirty="0" smtClean="0"/>
+              <a:t>– Improve performance</a:t>
+            </a:r>
+          </a:p>
+          <a:p>
+            <a:r>
+              <a:rPr lang="en-IN" dirty="0" smtClean="0"/>
+              <a:t>More </a:t>
+            </a:r>
+            <a:r>
+              <a:rPr lang="en-IN" dirty="0" smtClean="0"/>
+              <a:t>number of decision </a:t>
+            </a:r>
+            <a:r>
+              <a:rPr lang="en-IN" dirty="0" smtClean="0"/>
+              <a:t>trees </a:t>
+            </a:r>
+          </a:p>
+          <a:p>
+            <a:pPr lvl="1"/>
+            <a:r>
+              <a:rPr lang="en-IN" dirty="0" smtClean="0"/>
+              <a:t>Less over-fitting</a:t>
+            </a:r>
+          </a:p>
+          <a:p>
+            <a:pPr lvl="1"/>
+            <a:r>
+              <a:rPr lang="en-IN" dirty="0" smtClean="0"/>
+              <a:t>Higher accuracy</a:t>
+            </a:r>
+          </a:p>
+          <a:p>
+            <a:endParaRPr lang="en-IN" dirty="0" smtClean="0"/>
+          </a:p>
+          <a:p>
+            <a:endParaRPr lang="en-US" dirty="0" smtClean="0"/>
+          </a:p>
+          <a:p>
+            <a:endParaRPr lang="en-US" dirty="0"/>
+          </a:p>
+        </p:txBody>
+      </p:sp>
+    </p:spTree>
+  </p:cSld>
+  <p:clrMapOvr>
+    <a:masterClrMapping/>
+  </p:clrMapOvr>
+  <p:timing>
+    <p:tnLst>
+      <p:par>
+        <p:cTn id="1" dur="indefinite" restart="never" nodeType="tmRoot"/>
+      </p:par>
+    </p:tnLst>
+  </p:timing>
+</p:sld>
+</file>
+
+<file path=ppt/slides/slide7.xml><?xml version="1.0" encoding="utf-8"?>
+<p:sld xmlns:a="http://schemas.openxmlformats.org/drawingml/2006/main" xmlns:r="http://schemas.openxmlformats.org/officeDocument/2006/relationships" xmlns:p="http://schemas.openxmlformats.org/presentationml/2006/main">
+  <p:cSld>
+    <p:spTree>
+      <p:nvGrpSpPr>
+        <p:cNvPr id="1" name=""/>
+        <p:cNvGrpSpPr/>
+        <p:nvPr/>
+      </p:nvGrpSpPr>
+      <p:grpSpPr>
+        <a:xfrm>
+          <a:off x="0" y="0"/>
+          <a:ext cx="0" cy="0"/>
+          <a:chOff x="0" y="0"/>
+          <a:chExt cx="0" cy="0"/>
+        </a:xfrm>
+      </p:grpSpPr>
+      <p:sp>
+        <p:nvSpPr>
+          <p:cNvPr id="2" name="Title 1"/>
+          <p:cNvSpPr>
+            <a:spLocks noGrp="1"/>
+          </p:cNvSpPr>
+          <p:nvPr>
+            <p:ph type="title"/>
+          </p:nvPr>
+        </p:nvSpPr>
+        <p:spPr/>
+        <p:txBody>
+          <a:bodyPr/>
+          <a:lstStyle/>
+          <a:p>
+            <a:r>
+              <a:rPr lang="en-US" dirty="0" smtClean="0"/>
+              <a:t>Random </a:t>
+            </a:r>
+            <a:r>
+              <a:rPr lang="en-US" dirty="0" smtClean="0"/>
+              <a:t>Forest</a:t>
+            </a:r>
+            <a:endParaRPr lang="en-US" dirty="0"/>
+          </a:p>
+        </p:txBody>
+      </p:sp>
+      <p:pic>
+        <p:nvPicPr>
+          <p:cNvPr id="6" name="Picture 5" descr="RandomForest.png"/>
+          <p:cNvPicPr>
+            <a:picLocks noChangeAspect="1"/>
+          </p:cNvPicPr>
+          <p:nvPr/>
+        </p:nvPicPr>
+        <p:blipFill>
+          <a:blip r:embed="rId2"/>
+          <a:stretch>
+            <a:fillRect/>
+          </a:stretch>
+        </p:blipFill>
+        <p:spPr>
+          <a:xfrm>
+            <a:off x="1714500" y="1828800"/>
+            <a:ext cx="5715000" cy="3810000"/>
+          </a:xfrm>
+          <a:prstGeom prst="rect">
+            <a:avLst/>
+          </a:prstGeom>
+        </p:spPr>
+      </p:pic>
+      <p:sp>
+        <p:nvSpPr>
+          <p:cNvPr id="7" name="Text Box 10"/>
+          <p:cNvSpPr txBox="1">
+            <a:spLocks noChangeArrowheads="1"/>
+          </p:cNvSpPr>
+          <p:nvPr/>
+        </p:nvSpPr>
+        <p:spPr bwMode="auto">
+          <a:xfrm rot="10800000" flipV="1">
+            <a:off x="0" y="6519446"/>
+            <a:ext cx="1828800" cy="338554"/>
+          </a:xfrm>
+          <a:prstGeom prst="rect">
+            <a:avLst/>
+          </a:prstGeom>
+          <a:noFill/>
+          <a:ln w="9525">
+            <a:noFill/>
+            <a:miter lim="800000"/>
+            <a:headEnd/>
+            <a:tailEnd/>
+          </a:ln>
+          <a:effectLst/>
+        </p:spPr>
+        <p:txBody>
+          <a:bodyPr wrap="square">
+            <a:spAutoFit/>
+          </a:bodyPr>
+          <a:lstStyle/>
+          <a:p>
+            <a:pPr>
+              <a:spcBef>
+                <a:spcPct val="50000"/>
+              </a:spcBef>
+            </a:pPr>
+            <a:r>
+              <a:rPr lang="en-US" sz="1600" b="1" dirty="0">
+                <a:solidFill>
+                  <a:srgbClr val="FF0000"/>
+                </a:solidFill>
+              </a:rPr>
+              <a:t>Image </a:t>
+            </a:r>
+            <a:r>
+              <a:rPr lang="en-US" sz="1600" b="1" dirty="0" err="1" smtClean="0">
+                <a:solidFill>
+                  <a:srgbClr val="FF0000"/>
+                </a:solidFill>
+              </a:rPr>
+              <a:t>ack</a:t>
+            </a:r>
+            <a:r>
+              <a:rPr lang="en-US" sz="1600" b="1" dirty="0" smtClean="0">
+                <a:solidFill>
+                  <a:srgbClr val="FF0000"/>
+                </a:solidFill>
+              </a:rPr>
+              <a:t> – Google</a:t>
+            </a:r>
+            <a:endParaRPr lang="en-US" sz="1600" b="1" dirty="0">
+              <a:solidFill>
+                <a:srgbClr val="FF0000"/>
+              </a:solidFill>
+            </a:endParaRPr>
+          </a:p>
+        </p:txBody>
+      </p:sp>
+    </p:spTree>
+  </p:cSld>
+  <p:clrMapOvr>
+    <a:masterClrMapping/>
+  </p:clrMapOvr>
+  <p:timing>
+    <p:tnLst>
+      <p:par>
+        <p:cTn id="1" dur="indefinite" restart="never" nodeType="tmRoot"/>
+      </p:par>
+    </p:tnLst>
+  </p:timing>
+</p:sld>
+</file>
+
+<file path=ppt/slides/slide8.xml><?xml version="1.0" encoding="utf-8"?>
+<p:sld xmlns:a="http://schemas.openxmlformats.org/drawingml/2006/main" xmlns:r="http://schemas.openxmlformats.org/officeDocument/2006/relationships" xmlns:p="http://schemas.openxmlformats.org/presentationml/2006/main">
+  <p:cSld>
+    <p:spTree>
+      <p:nvGrpSpPr>
+        <p:cNvPr id="1" name=""/>
+        <p:cNvGrpSpPr/>
+        <p:nvPr/>
+      </p:nvGrpSpPr>
+      <p:grpSpPr>
+        <a:xfrm>
+          <a:off x="0" y="0"/>
+          <a:ext cx="0" cy="0"/>
+          <a:chOff x="0" y="0"/>
+          <a:chExt cx="0" cy="0"/>
+        </a:xfrm>
+      </p:grpSpPr>
+      <p:sp>
+        <p:nvSpPr>
+          <p:cNvPr id="2" name="Title 1"/>
+          <p:cNvSpPr>
+            <a:spLocks noGrp="1"/>
+          </p:cNvSpPr>
+          <p:nvPr>
+            <p:ph type="title"/>
+          </p:nvPr>
+        </p:nvSpPr>
+        <p:spPr/>
+        <p:txBody>
+          <a:bodyPr/>
+          <a:lstStyle/>
+          <a:p>
+            <a:r>
+              <a:rPr lang="en-US" dirty="0" smtClean="0"/>
+              <a:t>Advantages</a:t>
+            </a:r>
+            <a:endParaRPr lang="en-US" dirty="0"/>
+          </a:p>
+        </p:txBody>
+      </p:sp>
+      <p:sp>
+        <p:nvSpPr>
+          <p:cNvPr id="4" name="Content Placeholder 3"/>
+          <p:cNvSpPr>
+            <a:spLocks noGrp="1"/>
+          </p:cNvSpPr>
+          <p:nvPr>
+            <p:ph idx="1"/>
+          </p:nvPr>
+        </p:nvSpPr>
+        <p:spPr/>
+        <p:txBody>
+          <a:bodyPr/>
+          <a:lstStyle/>
+          <a:p>
+            <a:r>
+              <a:rPr lang="en-IN" dirty="0" smtClean="0"/>
+              <a:t>Less </a:t>
+            </a:r>
+            <a:r>
+              <a:rPr lang="en-IN" dirty="0" smtClean="0"/>
+              <a:t>over-fitting by using multiple trees</a:t>
+            </a:r>
+            <a:endParaRPr lang="en-IN" dirty="0" smtClean="0"/>
+          </a:p>
+          <a:p>
+            <a:r>
+              <a:rPr lang="en-IN" dirty="0" smtClean="0"/>
+              <a:t>More </a:t>
+            </a:r>
+            <a:r>
+              <a:rPr lang="en-IN" dirty="0" smtClean="0"/>
+              <a:t>accurate </a:t>
+            </a:r>
+            <a:r>
+              <a:rPr lang="en-IN" dirty="0" smtClean="0"/>
+              <a:t>as </a:t>
+            </a:r>
+            <a:r>
+              <a:rPr lang="en-IN" dirty="0" smtClean="0"/>
+              <a:t>compared to single tree</a:t>
+            </a:r>
+            <a:endParaRPr lang="en-US" dirty="0" smtClean="0"/>
+          </a:p>
+          <a:p>
+            <a:endParaRPr lang="en-US" dirty="0" smtClean="0"/>
+          </a:p>
+          <a:p>
+            <a:endParaRPr lang="en-US" dirty="0" smtClean="0"/>
+          </a:p>
+          <a:p>
+            <a:endParaRPr lang="en-US" dirty="0"/>
+          </a:p>
+        </p:txBody>
+      </p:sp>
+    </p:spTree>
+  </p:cSld>
+  <p:clrMapOvr>
+    <a:masterClrMapping/>
+  </p:clrMapOvr>
+  <p:timing>
+    <p:tnLst>
+      <p:par>
+        <p:cTn id="1" dur="indefinite" restart="never" nodeType="tmRoot"/>
+      </p:par>
+    </p:tnLst>
+  </p:timing>
+</p:sld>
+</file>
+
+<file path=ppt/slides/slide9.xml><?xml version="1.0" encoding="utf-8"?>
+<p:sld xmlns:a="http://schemas.openxmlformats.org/drawingml/2006/main" xmlns:r="http://schemas.openxmlformats.org/officeDocument/2006/relationships" xmlns:p="http://schemas.openxmlformats.org/presentationml/2006/main">
+  <p:cSld>
+    <p:spTree>
+      <p:nvGrpSpPr>
+        <p:cNvPr id="1" name=""/>
+        <p:cNvGrpSpPr/>
+        <p:nvPr/>
+      </p:nvGrpSpPr>
+      <p:grpSpPr>
+        <a:xfrm>
+          <a:off x="0" y="0"/>
+          <a:ext cx="0" cy="0"/>
+          <a:chOff x="0" y="0"/>
+          <a:chExt cx="0" cy="0"/>
+        </a:xfrm>
+      </p:grpSpPr>
+      <p:sp>
+        <p:nvSpPr>
+          <p:cNvPr id="2" name="Title 1"/>
+          <p:cNvSpPr>
+            <a:spLocks noGrp="1"/>
+          </p:cNvSpPr>
+          <p:nvPr>
+            <p:ph type="title"/>
+          </p:nvPr>
+        </p:nvSpPr>
+        <p:spPr/>
+        <p:txBody>
+          <a:bodyPr/>
+          <a:lstStyle/>
+          <a:p>
+            <a:r>
+              <a:rPr lang="en-US" dirty="0" smtClean="0"/>
+              <a:t>Disadvantages</a:t>
+            </a:r>
+            <a:endParaRPr lang="en-US" dirty="0"/>
+          </a:p>
+        </p:txBody>
+      </p:sp>
+      <p:sp>
+        <p:nvSpPr>
+          <p:cNvPr id="4" name="Content Placeholder 3"/>
+          <p:cNvSpPr>
+            <a:spLocks noGrp="1"/>
+          </p:cNvSpPr>
+          <p:nvPr>
+            <p:ph idx="1"/>
+          </p:nvPr>
+        </p:nvSpPr>
+        <p:spPr/>
+        <p:txBody>
+          <a:bodyPr/>
+          <a:lstStyle/>
+          <a:p>
+            <a:r>
+              <a:rPr lang="en-US" dirty="0" smtClean="0"/>
+              <a:t>Computationally expensive</a:t>
+            </a:r>
+            <a:endParaRPr lang="en-US" dirty="0" smtClean="0"/>
+          </a:p>
+          <a:p>
+            <a:r>
+              <a:rPr lang="en-IN" dirty="0" smtClean="0"/>
+              <a:t>Less </a:t>
+            </a:r>
+            <a:r>
+              <a:rPr lang="en-IN" dirty="0" smtClean="0"/>
+              <a:t>interpretable </a:t>
+            </a:r>
+            <a:r>
+              <a:rPr lang="en-IN" dirty="0" smtClean="0"/>
+              <a:t>than decision </a:t>
+            </a:r>
+            <a:r>
+              <a:rPr lang="en-IN" dirty="0" smtClean="0"/>
+              <a:t>tree</a:t>
             </a:r>
             <a:endParaRPr lang="en-US" dirty="0"/>
           </a:p>
